--- a/Team/Threat-risk - face-face.pptx
+++ b/Team/Threat-risk - face-face.pptx
@@ -6097,7 +6097,7 @@
           <a:p>
             <a:fld id="{AC180C8A-D2E4-4495-AF9F-052BC1FF86BD}" type="datetimeFigureOut">
               <a:rPr lang="en-US" smtClean="0"/>
-              <a:t>1/25/2015</a:t>
+              <a:t>1/26/2015</a:t>
             </a:fld>
             <a:endParaRPr lang="en-US"/>
           </a:p>
@@ -6449,6 +6449,90 @@
 </p:notes>
 </file>
 
+<file path=ppt/notesSlides/notesSlide2.xml><?xml version="1.0" encoding="utf-8"?>
+<p:notes xmlns:a="http://schemas.openxmlformats.org/drawingml/2006/main" xmlns:r="http://schemas.openxmlformats.org/officeDocument/2006/relationships" xmlns:p="http://schemas.openxmlformats.org/presentationml/2006/main">
+  <p:cSld>
+    <p:spTree>
+      <p:nvGrpSpPr>
+        <p:cNvPr id="1" name=""/>
+        <p:cNvGrpSpPr/>
+        <p:nvPr/>
+      </p:nvGrpSpPr>
+      <p:grpSpPr>
+        <a:xfrm>
+          <a:off x="0" y="0"/>
+          <a:ext cx="0" cy="0"/>
+          <a:chOff x="0" y="0"/>
+          <a:chExt cx="0" cy="0"/>
+        </a:xfrm>
+      </p:grpSpPr>
+      <p:sp>
+        <p:nvSpPr>
+          <p:cNvPr id="2" name="Slide Image Placeholder 1"/>
+          <p:cNvSpPr>
+            <a:spLocks noGrp="1" noRot="1" noChangeAspect="1"/>
+          </p:cNvSpPr>
+          <p:nvPr>
+            <p:ph type="sldImg"/>
+          </p:nvPr>
+        </p:nvSpPr>
+        <p:spPr/>
+      </p:sp>
+      <p:sp>
+        <p:nvSpPr>
+          <p:cNvPr id="3" name="Notes Placeholder 2"/>
+          <p:cNvSpPr>
+            <a:spLocks noGrp="1"/>
+          </p:cNvSpPr>
+          <p:nvPr>
+            <p:ph type="body" idx="1"/>
+          </p:nvPr>
+        </p:nvSpPr>
+        <p:spPr/>
+        <p:txBody>
+          <a:bodyPr/>
+          <a:lstStyle/>
+          <a:p>
+            <a:endParaRPr lang="en-US" dirty="0"/>
+          </a:p>
+        </p:txBody>
+      </p:sp>
+      <p:sp>
+        <p:nvSpPr>
+          <p:cNvPr id="4" name="Slide Number Placeholder 3"/>
+          <p:cNvSpPr>
+            <a:spLocks noGrp="1"/>
+          </p:cNvSpPr>
+          <p:nvPr>
+            <p:ph type="sldNum" sz="quarter" idx="10"/>
+          </p:nvPr>
+        </p:nvSpPr>
+        <p:spPr/>
+        <p:txBody>
+          <a:bodyPr/>
+          <a:lstStyle/>
+          <a:p>
+            <a:fld id="{4A8C0839-A752-4026-B076-2AA4A81C1342}" type="slidenum">
+              <a:rPr lang="en-US" smtClean="0"/>
+              <a:t>49</a:t>
+            </a:fld>
+            <a:endParaRPr lang="en-US"/>
+          </a:p>
+        </p:txBody>
+      </p:sp>
+    </p:spTree>
+    <p:extLst>
+      <p:ext uri="{BB962C8B-B14F-4D97-AF65-F5344CB8AC3E}">
+        <p14:creationId xmlns:p14="http://schemas.microsoft.com/office/powerpoint/2010/main" val="3544377703"/>
+      </p:ext>
+    </p:extLst>
+  </p:cSld>
+  <p:clrMapOvr>
+    <a:masterClrMapping/>
+  </p:clrMapOvr>
+</p:notes>
+</file>
+
 <file path=ppt/slideLayouts/slideLayout1.xml><?xml version="1.0" encoding="utf-8"?>
 <p:sldLayout xmlns:a="http://schemas.openxmlformats.org/drawingml/2006/main" xmlns:r="http://schemas.openxmlformats.org/officeDocument/2006/relationships" xmlns:p="http://schemas.openxmlformats.org/presentationml/2006/main" type="title" preserve="1">
   <p:cSld name="Title Slide">
@@ -6685,7 +6769,7 @@
           <a:p>
             <a:fld id="{DE50E6FA-C16A-45A0-90AF-AC44915B4985}" type="datetime1">
               <a:rPr lang="en-US" smtClean="0"/>
-              <a:t>1/25/2015</a:t>
+              <a:t>1/26/2015</a:t>
             </a:fld>
             <a:endParaRPr lang="en-US"/>
           </a:p>
@@ -6974,7 +7058,7 @@
           <a:p>
             <a:fld id="{EF9C7C0E-76AF-4C03-A32F-9BE7A876349D}" type="datetime1">
               <a:rPr lang="en-US" smtClean="0"/>
-              <a:t>1/25/2015</a:t>
+              <a:t>1/26/2015</a:t>
             </a:fld>
             <a:endParaRPr lang="en-US"/>
           </a:p>
@@ -7201,7 +7285,7 @@
           <a:p>
             <a:fld id="{33BBAE57-11FF-46AD-A45D-E7FFCA9C548C}" type="datetime1">
               <a:rPr lang="en-US" smtClean="0"/>
-              <a:t>1/25/2015</a:t>
+              <a:t>1/26/2015</a:t>
             </a:fld>
             <a:endParaRPr lang="en-US"/>
           </a:p>
@@ -8094,7 +8178,7 @@
           <a:p>
             <a:fld id="{1F9A5793-53E3-4EFA-8FEB-3135A2F5C16E}" type="datetime1">
               <a:rPr lang="en-US" smtClean="0"/>
-              <a:t>1/25/2015</a:t>
+              <a:t>1/26/2015</a:t>
             </a:fld>
             <a:endParaRPr lang="en-US" dirty="0"/>
           </a:p>
@@ -8385,7 +8469,7 @@
           <a:p>
             <a:fld id="{7FFC8E0D-FE22-42CA-9D02-05162CCF70A3}" type="datetime1">
               <a:rPr lang="en-US" smtClean="0"/>
-              <a:t>1/25/2015</a:t>
+              <a:t>1/26/2015</a:t>
             </a:fld>
             <a:endParaRPr lang="en-US"/>
           </a:p>
@@ -8862,7 +8946,7 @@
           <a:p>
             <a:fld id="{BE80ADE7-DD84-48A6-A0E5-4A13B3316DE6}" type="datetime1">
               <a:rPr lang="en-US" smtClean="0"/>
-              <a:t>1/25/2015</a:t>
+              <a:t>1/26/2015</a:t>
             </a:fld>
             <a:endParaRPr lang="en-US"/>
           </a:p>
@@ -9321,7 +9405,7 @@
           <a:p>
             <a:fld id="{BD67D7B8-0974-4C85-AD6F-E3AA752C474C}" type="datetime1">
               <a:rPr lang="en-US" smtClean="0"/>
-              <a:t>1/25/2015</a:t>
+              <a:t>1/26/2015</a:t>
             </a:fld>
             <a:endParaRPr lang="en-US"/>
           </a:p>
@@ -9463,7 +9547,7 @@
           <a:p>
             <a:fld id="{F178AD1E-6C62-4F7B-8F5C-AB7BDAD6E1C9}" type="datetime1">
               <a:rPr lang="en-US" smtClean="0"/>
-              <a:t>1/25/2015</a:t>
+              <a:t>1/26/2015</a:t>
             </a:fld>
             <a:endParaRPr lang="en-US"/>
           </a:p>
@@ -9628,7 +9712,7 @@
           <a:p>
             <a:fld id="{80D17477-C76C-4732-A7CD-6CBB12E31B18}" type="datetime1">
               <a:rPr lang="en-US" smtClean="0"/>
-              <a:t>1/25/2015</a:t>
+              <a:t>1/26/2015</a:t>
             </a:fld>
             <a:endParaRPr lang="en-US"/>
           </a:p>
@@ -10026,7 +10110,7 @@
           <a:p>
             <a:fld id="{71F48243-A7BF-4D4D-8DAB-E3F038F0C710}" type="datetime1">
               <a:rPr lang="en-US" smtClean="0"/>
-              <a:t>1/25/2015</a:t>
+              <a:t>1/26/2015</a:t>
             </a:fld>
             <a:endParaRPr lang="en-US"/>
           </a:p>
@@ -10430,7 +10514,7 @@
           <a:p>
             <a:fld id="{D1B94B25-3499-4F72-85E7-1F6B1C0EDEDB}" type="datetime1">
               <a:rPr lang="en-US" smtClean="0"/>
-              <a:t>1/25/2015</a:t>
+              <a:t>1/26/2015</a:t>
             </a:fld>
             <a:endParaRPr lang="en-US"/>
           </a:p>
@@ -10644,7 +10728,7 @@
           <a:p>
             <a:fld id="{F14817DA-5A00-4BC5-A59B-5083A6F74273}" type="datetime1">
               <a:rPr lang="en-US" smtClean="0"/>
-              <a:t>1/25/2015</a:t>
+              <a:t>1/26/2015</a:t>
             </a:fld>
             <a:endParaRPr lang="en-US"/>
           </a:p>
@@ -12609,7 +12693,7 @@
           <a:p>
             <a:fld id="{1F9A5793-53E3-4EFA-8FEB-3135A2F5C16E}" type="datetime1">
               <a:rPr lang="en-US" smtClean="0"/>
-              <a:t>1/25/2015</a:t>
+              <a:t>1/26/2015</a:t>
             </a:fld>
             <a:endParaRPr lang="en-US" dirty="0"/>
           </a:p>
@@ -12810,7 +12894,7 @@
           <a:p>
             <a:fld id="{A544E6C8-7DCE-405E-9AEF-8787E2234D8F}" type="datetime1">
               <a:rPr lang="en-US" smtClean="0"/>
-              <a:t>1/25/2015</a:t>
+              <a:t>1/26/2015</a:t>
             </a:fld>
             <a:endParaRPr lang="en-US" dirty="0"/>
           </a:p>
@@ -13016,7 +13100,7 @@
           <a:p>
             <a:fld id="{1F9A5793-53E3-4EFA-8FEB-3135A2F5C16E}" type="datetime1">
               <a:rPr lang="en-US" smtClean="0"/>
-              <a:t>1/25/2015</a:t>
+              <a:t>1/26/2015</a:t>
             </a:fld>
             <a:endParaRPr lang="en-US" dirty="0"/>
           </a:p>
@@ -13310,7 +13394,7 @@
           <a:p>
             <a:fld id="{07E2A2A4-D9A6-4E21-985C-F3B9A48DF01F}" type="datetime1">
               <a:rPr lang="en-US" smtClean="0"/>
-              <a:t>1/25/2015</a:t>
+              <a:t>1/26/2015</a:t>
             </a:fld>
             <a:endParaRPr lang="en-US" dirty="0"/>
           </a:p>
@@ -13458,7 +13542,7 @@
           <a:p>
             <a:fld id="{91D7FAE9-9780-47C1-809A-7DD43688ACF3}" type="datetime1">
               <a:rPr lang="en-US" smtClean="0"/>
-              <a:t>1/25/2015</a:t>
+              <a:t>1/26/2015</a:t>
             </a:fld>
             <a:endParaRPr lang="en-US"/>
           </a:p>
@@ -13716,7 +13800,7 @@
           <a:p>
             <a:fld id="{6F3CE05D-8528-45E2-BAF1-4C3CBE666D60}" type="datetime1">
               <a:rPr lang="en-US" smtClean="0"/>
-              <a:t>1/25/2015</a:t>
+              <a:t>1/26/2015</a:t>
             </a:fld>
             <a:endParaRPr lang="en-US" dirty="0"/>
           </a:p>
@@ -13961,7 +14045,7 @@
           <a:p>
             <a:fld id="{BC5DE813-49F2-4C94-8639-905BD8C14B55}" type="datetime1">
               <a:rPr lang="en-US" smtClean="0"/>
-              <a:t>1/25/2015</a:t>
+              <a:t>1/26/2015</a:t>
             </a:fld>
             <a:endParaRPr lang="en-US" dirty="0"/>
           </a:p>
@@ -14229,7 +14313,7 @@
           <a:p>
             <a:fld id="{ACD7FFE9-ADF2-4BCD-81A0-0D4E51B22F79}" type="datetime1">
               <a:rPr lang="en-US" smtClean="0"/>
-              <a:t>1/25/2015</a:t>
+              <a:t>1/26/2015</a:t>
             </a:fld>
             <a:endParaRPr lang="en-US" dirty="0"/>
           </a:p>
@@ -14501,7 +14585,7 @@
           <a:p>
             <a:fld id="{CACCDEEC-E241-4C94-9849-F8205DB16981}" type="datetime1">
               <a:rPr lang="en-US" smtClean="0"/>
-              <a:t>1/25/2015</a:t>
+              <a:t>1/26/2015</a:t>
             </a:fld>
             <a:endParaRPr lang="en-US" dirty="0"/>
           </a:p>
@@ -14729,7 +14813,7 @@
           <a:p>
             <a:fld id="{1F9A5793-53E3-4EFA-8FEB-3135A2F5C16E}" type="datetime1">
               <a:rPr lang="en-US" smtClean="0"/>
-              <a:t>1/25/2015</a:t>
+              <a:t>1/26/2015</a:t>
             </a:fld>
             <a:endParaRPr lang="en-US" dirty="0"/>
           </a:p>
@@ -14860,7 +14944,7 @@
           <a:p>
             <a:fld id="{F178AD1E-6C62-4F7B-8F5C-AB7BDAD6E1C9}" type="datetime1">
               <a:rPr lang="en-US" smtClean="0"/>
-              <a:t>1/25/2015</a:t>
+              <a:t>1/26/2015</a:t>
             </a:fld>
             <a:endParaRPr lang="en-US"/>
           </a:p>
@@ -15157,7 +15241,7 @@
           <a:p>
             <a:fld id="{B7991BA1-B39D-47ED-BA61-18D81BEA49A7}" type="datetime1">
               <a:rPr lang="en-US" smtClean="0"/>
-              <a:t>1/25/2015</a:t>
+              <a:t>1/26/2015</a:t>
             </a:fld>
             <a:endParaRPr lang="en-US" dirty="0"/>
           </a:p>
@@ -15339,7 +15423,7 @@
           <a:p>
             <a:fld id="{C12638B0-881F-4BC7-8102-A0BD7FCB8347}" type="datetime1">
               <a:rPr lang="en-US" smtClean="0"/>
-              <a:t>1/25/2015</a:t>
+              <a:t>1/26/2015</a:t>
             </a:fld>
             <a:endParaRPr lang="en-US"/>
           </a:p>
@@ -15569,7 +15653,7 @@
           <a:p>
             <a:fld id="{7FFC8E0D-FE22-42CA-9D02-05162CCF70A3}" type="datetime1">
               <a:rPr lang="en-US" smtClean="0"/>
-              <a:t>1/25/2015</a:t>
+              <a:t>1/26/2015</a:t>
             </a:fld>
             <a:endParaRPr lang="en-US"/>
           </a:p>
@@ -15730,7 +15814,7 @@
         </p:nvSpPr>
         <p:spPr>
           <a:xfrm>
-            <a:off x="327033" y="5275003"/>
+            <a:off x="327033" y="5266220"/>
             <a:ext cx="8534400" cy="838200"/>
           </a:xfrm>
           <a:prstGeom prst="homePlate">
@@ -16252,8 +16336,8 @@
         </p:nvSpPr>
         <p:spPr>
           <a:xfrm>
-            <a:off x="1072809" y="5362156"/>
-            <a:ext cx="968535" cy="646331"/>
+            <a:off x="842336" y="5362154"/>
+            <a:ext cx="2205219" cy="646331"/>
           </a:xfrm>
           <a:prstGeom prst="rect">
             <a:avLst/>
@@ -16268,13 +16352,14 @@
           <a:p>
             <a:r>
               <a:rPr lang="en-US" b="1" dirty="0" smtClean="0"/>
-              <a:t>Data</a:t>
-            </a:r>
+              <a:t>Risk/Threat</a:t>
+            </a:r>
+            <a:endParaRPr lang="en-US" b="1" dirty="0" smtClean="0"/>
           </a:p>
           <a:p>
             <a:r>
               <a:rPr lang="en-US" b="1" dirty="0" smtClean="0"/>
-              <a:t>Sources</a:t>
+              <a:t>Information Sources</a:t>
             </a:r>
             <a:endParaRPr lang="en-US" b="1" dirty="0"/>
           </a:p>
@@ -16464,7 +16549,7 @@
           <a:p>
             <a:fld id="{C676F5ED-0E4C-40AB-B07F-608DABCD2DA7}" type="datetime1">
               <a:rPr lang="en-US" smtClean="0"/>
-              <a:t>1/25/2015</a:t>
+              <a:t>1/26/2015</a:t>
             </a:fld>
             <a:endParaRPr lang="en-US"/>
           </a:p>
@@ -16686,7 +16771,7 @@
           <a:p>
             <a:fld id="{BF54636A-89CA-427A-B5CF-AAB9E5E68CCB}" type="datetime1">
               <a:rPr lang="en-US" smtClean="0"/>
-              <a:t>1/25/2015</a:t>
+              <a:t>1/26/2015</a:t>
             </a:fld>
             <a:endParaRPr lang="en-US" dirty="0"/>
           </a:p>
@@ -16872,7 +16957,7 @@
           <a:p>
             <a:fld id="{6BAEF988-70A3-4FDF-8F54-08E8E8C96878}" type="datetime1">
               <a:rPr lang="en-US" smtClean="0"/>
-              <a:t>1/25/2015</a:t>
+              <a:t>1/26/2015</a:t>
             </a:fld>
             <a:endParaRPr lang="en-US" dirty="0"/>
           </a:p>
@@ -17073,7 +17158,7 @@
           <a:p>
             <a:fld id="{29A64E8B-282C-4032-B500-A01B23482823}" type="datetime1">
               <a:rPr lang="en-US" smtClean="0"/>
-              <a:t>1/25/2015</a:t>
+              <a:t>1/26/2015</a:t>
             </a:fld>
             <a:endParaRPr lang="en-US" dirty="0"/>
           </a:p>
@@ -17272,7 +17357,7 @@
           <a:p>
             <a:fld id="{E4704B7D-3708-41F0-8B71-D48F95DD10D4}" type="datetime1">
               <a:rPr lang="en-US" smtClean="0"/>
-              <a:t>1/25/2015</a:t>
+              <a:t>1/26/2015</a:t>
             </a:fld>
             <a:endParaRPr lang="en-US" dirty="0"/>
           </a:p>
@@ -17461,7 +17546,7 @@
           <a:p>
             <a:fld id="{62A0943E-F0AF-4B03-9AED-391DE19F8E6B}" type="datetime1">
               <a:rPr lang="en-US" smtClean="0"/>
-              <a:t>1/25/2015</a:t>
+              <a:t>1/26/2015</a:t>
             </a:fld>
             <a:endParaRPr lang="en-US" dirty="0"/>
           </a:p>
@@ -17644,7 +17729,7 @@
           <a:p>
             <a:fld id="{1F9A5793-53E3-4EFA-8FEB-3135A2F5C16E}" type="datetime1">
               <a:rPr lang="en-US" smtClean="0"/>
-              <a:t>1/25/2015</a:t>
+              <a:t>1/26/2015</a:t>
             </a:fld>
             <a:endParaRPr lang="en-US" dirty="0"/>
           </a:p>
@@ -17825,7 +17910,7 @@
           <a:p>
             <a:fld id="{6FBCC5FD-8B1D-453E-BCB3-0E72A3ECD44D}" type="datetime1">
               <a:rPr lang="en-US" smtClean="0"/>
-              <a:t>1/25/2015</a:t>
+              <a:t>1/26/2015</a:t>
             </a:fld>
             <a:endParaRPr lang="en-US" dirty="0"/>
           </a:p>
@@ -17973,7 +18058,7 @@
           <a:p>
             <a:fld id="{0D6FB540-4C15-4588-86FF-E19E95913DD3}" type="datetime1">
               <a:rPr lang="en-US" smtClean="0"/>
-              <a:t>1/25/2015</a:t>
+              <a:t>1/26/2015</a:t>
             </a:fld>
             <a:endParaRPr lang="en-US"/>
           </a:p>
@@ -18079,7 +18164,7 @@
           <a:p>
             <a:fld id="{7FFC8E0D-FE22-42CA-9D02-05162CCF70A3}" type="datetime1">
               <a:rPr lang="en-US" smtClean="0"/>
-              <a:t>1/25/2015</a:t>
+              <a:t>1/26/2015</a:t>
             </a:fld>
             <a:endParaRPr lang="en-US"/>
           </a:p>
@@ -18192,19 +18277,7 @@
             <a:pPr algn="ctr"/>
             <a:r>
               <a:rPr lang="en-US" dirty="0" smtClean="0"/>
-              <a:t>Generic </a:t>
-            </a:r>
-            <a:r>
-              <a:rPr lang="en-US" dirty="0" smtClean="0"/>
-              <a:t>Library – </a:t>
-            </a:r>
-            <a:r>
-              <a:rPr lang="en-US" dirty="0" smtClean="0"/>
-              <a:t>Provides concepts and links across multiple viewpoints, not just threat/risk. E.G. Person, </a:t>
-            </a:r>
-            <a:r>
-              <a:rPr lang="en-US" dirty="0" smtClean="0"/>
-              <a:t> Objective</a:t>
+              <a:t>Generic Library – Provides concepts and links across multiple viewpoints, not just threat/risk. E.G. Person,  Objective</a:t>
             </a:r>
             <a:endParaRPr lang="en-US" dirty="0"/>
           </a:p>
@@ -18248,19 +18321,7 @@
             <a:pPr algn="ctr"/>
             <a:r>
               <a:rPr lang="en-US" dirty="0" smtClean="0"/>
-              <a:t>Kernel–  Fundamental concepts for modeling anything: Entities, Roles, </a:t>
-            </a:r>
-            <a:r>
-              <a:rPr lang="en-US" dirty="0" smtClean="0"/>
-              <a:t>Relations, Types, Information</a:t>
-            </a:r>
-            <a:r>
-              <a:rPr lang="en-US" dirty="0" smtClean="0"/>
-              <a:t>, Rules, </a:t>
-            </a:r>
-            <a:r>
-              <a:rPr lang="en-US" dirty="0" smtClean="0"/>
-              <a:t>Identity, Etc…</a:t>
+              <a:t>Kernel–  Fundamental concepts for modeling anything: Entities, Roles, Relations, Types, Information, Rules, Identity, Etc…</a:t>
             </a:r>
             <a:endParaRPr lang="en-US" dirty="0"/>
           </a:p>
@@ -18534,7 +18595,7 @@
           <a:p>
             <a:fld id="{7FFC8E0D-FE22-42CA-9D02-05162CCF70A3}" type="datetime1">
               <a:rPr lang="en-US" smtClean="0"/>
-              <a:t>1/25/2015</a:t>
+              <a:t>1/26/2015</a:t>
             </a:fld>
             <a:endParaRPr lang="en-US"/>
           </a:p>
@@ -19055,7 +19116,7 @@
           <a:p>
             <a:fld id="{1F9A5793-53E3-4EFA-8FEB-3135A2F5C16E}" type="datetime1">
               <a:rPr lang="en-US" smtClean="0"/>
-              <a:t>1/25/2015</a:t>
+              <a:t>1/26/2015</a:t>
             </a:fld>
             <a:endParaRPr lang="en-US" dirty="0"/>
           </a:p>
@@ -19196,13 +19257,8 @@
             </a:r>
             <a:r>
               <a:rPr lang="en-US" dirty="0" smtClean="0"/>
-              <a:t>UML </a:t>
-            </a:r>
-            <a:r>
-              <a:rPr lang="en-US" dirty="0" smtClean="0"/>
-              <a:t>Diagrams</a:t>
-            </a:r>
-            <a:endParaRPr lang="en-US" dirty="0" smtClean="0"/>
+              <a:t>UML Diagrams</a:t>
+            </a:r>
           </a:p>
           <a:p>
             <a:r>
@@ -19244,7 +19300,7 @@
           <a:p>
             <a:fld id="{1F9A5793-53E3-4EFA-8FEB-3135A2F5C16E}" type="datetime1">
               <a:rPr lang="en-US" smtClean="0"/>
-              <a:t>1/25/2015</a:t>
+              <a:t>1/26/2015</a:t>
             </a:fld>
             <a:endParaRPr lang="en-US" dirty="0"/>
           </a:p>
@@ -19610,7 +19666,7 @@
           <a:p>
             <a:fld id="{1F9A5793-53E3-4EFA-8FEB-3135A2F5C16E}" type="datetime1">
               <a:rPr lang="en-US" smtClean="0"/>
-              <a:t>1/25/2015</a:t>
+              <a:t>1/26/2015</a:t>
             </a:fld>
             <a:endParaRPr lang="en-US" dirty="0"/>
           </a:p>
@@ -19716,7 +19772,7 @@
           <a:p>
             <a:fld id="{BD67D7B8-0974-4C85-AD6F-E3AA752C474C}" type="datetime1">
               <a:rPr lang="en-US" smtClean="0"/>
-              <a:t>1/25/2015</a:t>
+              <a:t>1/26/2015</a:t>
             </a:fld>
             <a:endParaRPr lang="en-US"/>
           </a:p>
@@ -21157,7 +21213,7 @@
           <a:p>
             <a:fld id="{1F9A5793-53E3-4EFA-8FEB-3135A2F5C16E}" type="datetime1">
               <a:rPr lang="en-US" smtClean="0"/>
-              <a:t>1/25/2015</a:t>
+              <a:t>1/26/2015</a:t>
             </a:fld>
             <a:endParaRPr lang="en-US" dirty="0"/>
           </a:p>
@@ -21321,7 +21377,7 @@
           <a:p>
             <a:fld id="{BD67D7B8-0974-4C85-AD6F-E3AA752C474C}" type="datetime1">
               <a:rPr lang="en-US" smtClean="0"/>
-              <a:t>1/25/2015</a:t>
+              <a:t>1/26/2015</a:t>
             </a:fld>
             <a:endParaRPr lang="en-US"/>
           </a:p>
@@ -21450,7 +21506,7 @@
           <a:p>
             <a:fld id="{1F9A5793-53E3-4EFA-8FEB-3135A2F5C16E}" type="datetime1">
               <a:rPr lang="en-US" smtClean="0"/>
-              <a:t>1/25/2015</a:t>
+              <a:t>1/26/2015</a:t>
             </a:fld>
             <a:endParaRPr lang="en-US" dirty="0"/>
           </a:p>
@@ -21640,7 +21696,7 @@
           <a:p>
             <a:fld id="{F178AD1E-6C62-4F7B-8F5C-AB7BDAD6E1C9}" type="datetime1">
               <a:rPr lang="en-US" smtClean="0"/>
-              <a:t>1/25/2015</a:t>
+              <a:t>1/26/2015</a:t>
             </a:fld>
             <a:endParaRPr lang="en-US"/>
           </a:p>
@@ -21929,7 +21985,7 @@
           <a:p>
             <a:fld id="{F178AD1E-6C62-4F7B-8F5C-AB7BDAD6E1C9}" type="datetime1">
               <a:rPr lang="en-US" smtClean="0"/>
-              <a:t>1/25/2015</a:t>
+              <a:t>1/26/2015</a:t>
             </a:fld>
             <a:endParaRPr lang="en-US"/>
           </a:p>
@@ -22264,7 +22320,7 @@
           <a:p>
             <a:fld id="{F178AD1E-6C62-4F7B-8F5C-AB7BDAD6E1C9}" type="datetime1">
               <a:rPr lang="en-US" smtClean="0"/>
-              <a:t>1/25/2015</a:t>
+              <a:t>1/26/2015</a:t>
             </a:fld>
             <a:endParaRPr lang="en-US"/>
           </a:p>
@@ -22393,7 +22449,7 @@
           <a:p>
             <a:fld id="{F178AD1E-6C62-4F7B-8F5C-AB7BDAD6E1C9}" type="datetime1">
               <a:rPr lang="en-US" smtClean="0"/>
-              <a:t>1/25/2015</a:t>
+              <a:t>1/26/2015</a:t>
             </a:fld>
             <a:endParaRPr lang="en-US"/>
           </a:p>
@@ -22656,7 +22712,7 @@
           <a:p>
             <a:fld id="{F178AD1E-6C62-4F7B-8F5C-AB7BDAD6E1C9}" type="datetime1">
               <a:rPr lang="en-US" smtClean="0"/>
-              <a:t>1/25/2015</a:t>
+              <a:t>1/26/2015</a:t>
             </a:fld>
             <a:endParaRPr lang="en-US"/>
           </a:p>
@@ -22918,7 +22974,7 @@
           <a:p>
             <a:fld id="{BE80ADE7-DD84-48A6-A0E5-4A13B3316DE6}" type="datetime1">
               <a:rPr lang="en-US" smtClean="0"/>
-              <a:t>1/25/2015</a:t>
+              <a:t>1/26/2015</a:t>
             </a:fld>
             <a:endParaRPr lang="en-US"/>
           </a:p>
@@ -23225,7 +23281,7 @@
           <a:p>
             <a:fld id="{1F9A5793-53E3-4EFA-8FEB-3135A2F5C16E}" type="datetime1">
               <a:rPr lang="en-US" smtClean="0"/>
-              <a:t>1/25/2015</a:t>
+              <a:t>1/26/2015</a:t>
             </a:fld>
             <a:endParaRPr lang="en-US" dirty="0"/>
           </a:p>
@@ -23401,7 +23457,12 @@
             <p:ph sz="quarter" idx="13"/>
           </p:nvPr>
         </p:nvSpPr>
-        <p:spPr/>
+        <p:spPr>
+          <a:xfrm>
+            <a:off x="352426" y="1463040"/>
+            <a:ext cx="5057774" cy="4099560"/>
+          </a:xfrm>
+        </p:spPr>
         <p:txBody>
           <a:bodyPr>
             <a:normAutofit lnSpcReduction="10000"/>
@@ -23424,36 +23485,18 @@
             <a:endParaRPr lang="en-US" dirty="0"/>
           </a:p>
           <a:p>
-            <a:endParaRPr lang="en-US" dirty="0" smtClean="0"/>
-          </a:p>
-          <a:p>
-            <a:r>
-              <a:rPr lang="en-US" dirty="0" smtClean="0"/>
-              <a:t>A unit represents a quantity kind</a:t>
+            <a:r>
+              <a:rPr lang="en-US" dirty="0" smtClean="0"/>
+              <a:t>A unit represents a quantity kind, there are multiple units representing temperature.</a:t>
             </a:r>
           </a:p>
           <a:p>
             <a:endParaRPr lang="en-US" dirty="0"/>
           </a:p>
           <a:p>
-            <a:endParaRPr lang="en-US" dirty="0" smtClean="0"/>
-          </a:p>
-          <a:p>
-            <a:r>
-              <a:rPr lang="en-US" dirty="0" smtClean="0"/>
-              <a:t>A physical representation </a:t>
-            </a:r>
-          </a:p>
-          <a:p>
-            <a:r>
-              <a:rPr lang="en-US" dirty="0" smtClean="0"/>
-              <a:t>would then represent the unit </a:t>
-            </a:r>
-          </a:p>
-          <a:p>
-            <a:r>
-              <a:rPr lang="en-US" dirty="0" smtClean="0"/>
-              <a:t>as some kind of number.</a:t>
+            <a:r>
+              <a:rPr lang="en-US" dirty="0" smtClean="0"/>
+              <a:t>A physical representation would then represent the unit as some kind of number in a specified unit.</a:t>
             </a:r>
             <a:endParaRPr lang="en-US" dirty="0"/>
           </a:p>
@@ -23476,7 +23519,7 @@
           <a:p>
             <a:fld id="{1F9A5793-53E3-4EFA-8FEB-3135A2F5C16E}" type="datetime1">
               <a:rPr lang="en-US" smtClean="0"/>
-              <a:t>1/25/2015</a:t>
+              <a:t>1/26/2015</a:t>
             </a:fld>
             <a:endParaRPr lang="en-US" dirty="0"/>
           </a:p>
@@ -23560,7 +23603,7 @@
           <p:nvPr/>
         </p:nvPicPr>
         <p:blipFill>
-          <a:blip r:embed="rId2">
+          <a:blip r:embed="rId3">
             <a:extLst>
               <a:ext uri="{28A0092B-C50C-407E-A947-70E740481C1C}">
                 <a14:useLocalDpi xmlns:a14="http://schemas.microsoft.com/office/drawing/2010/main" val="0"/>
@@ -23574,7 +23617,7 @@
         </p:blipFill>
         <p:spPr bwMode="auto">
           <a:xfrm>
-            <a:off x="3852862" y="2895600"/>
+            <a:off x="5970586" y="1752600"/>
             <a:ext cx="1438275" cy="685800"/>
           </a:xfrm>
           <a:prstGeom prst="rect">
@@ -23607,14 +23650,14 @@
       </p:pic>
       <p:pic>
         <p:nvPicPr>
-          <p:cNvPr id="13315" name="Picture 3"/>
+          <p:cNvPr id="13316" name="Picture 4"/>
           <p:cNvPicPr>
             <a:picLocks noChangeAspect="1" noChangeArrowheads="1"/>
           </p:cNvPicPr>
           <p:nvPr/>
         </p:nvPicPr>
         <p:blipFill>
-          <a:blip r:embed="rId3">
+          <a:blip r:embed="rId4">
             <a:extLst>
               <a:ext uri="{28A0092B-C50C-407E-A947-70E740481C1C}">
                 <a14:useLocalDpi xmlns:a14="http://schemas.microsoft.com/office/drawing/2010/main" val="0"/>
@@ -23628,8 +23671,62 @@
         </p:blipFill>
         <p:spPr bwMode="auto">
           <a:xfrm>
-            <a:off x="3833812" y="4038600"/>
-            <a:ext cx="1619250" cy="1781175"/>
+            <a:off x="5794374" y="2819400"/>
+            <a:ext cx="1790700" cy="1917700"/>
+          </a:xfrm>
+          <a:prstGeom prst="rect">
+            <a:avLst/>
+          </a:prstGeom>
+          <a:noFill/>
+          <a:ln>
+            <a:noFill/>
+          </a:ln>
+          <a:extLst>
+            <a:ext uri="{909E8E84-426E-40DD-AFC4-6F175D3DCCD1}">
+              <a14:hiddenFill xmlns:a14="http://schemas.microsoft.com/office/drawing/2010/main">
+                <a:solidFill>
+                  <a:schemeClr val="accent1"/>
+                </a:solidFill>
+              </a14:hiddenFill>
+            </a:ext>
+            <a:ext uri="{91240B29-F687-4F45-9708-019B960494DF}">
+              <a14:hiddenLine xmlns:a14="http://schemas.microsoft.com/office/drawing/2010/main" w="9525">
+                <a:solidFill>
+                  <a:schemeClr val="tx1"/>
+                </a:solidFill>
+                <a:miter lim="800000"/>
+                <a:headEnd/>
+                <a:tailEnd/>
+              </a14:hiddenLine>
+            </a:ext>
+          </a:extLst>
+        </p:spPr>
+      </p:pic>
+      <p:pic>
+        <p:nvPicPr>
+          <p:cNvPr id="13318" name="Picture 6"/>
+          <p:cNvPicPr>
+            <a:picLocks noChangeAspect="1" noChangeArrowheads="1"/>
+          </p:cNvPicPr>
+          <p:nvPr/>
+        </p:nvPicPr>
+        <p:blipFill>
+          <a:blip r:embed="rId5">
+            <a:extLst>
+              <a:ext uri="{28A0092B-C50C-407E-A947-70E740481C1C}">
+                <a14:useLocalDpi xmlns:a14="http://schemas.microsoft.com/office/drawing/2010/main" val="0"/>
+              </a:ext>
+            </a:extLst>
+          </a:blip>
+          <a:srcRect/>
+          <a:stretch>
+            <a:fillRect/>
+          </a:stretch>
+        </p:blipFill>
+        <p:spPr bwMode="auto">
+          <a:xfrm>
+            <a:off x="1981200" y="5334000"/>
+            <a:ext cx="5803900" cy="901700"/>
           </a:xfrm>
           <a:prstGeom prst="rect">
             <a:avLst/>
@@ -23764,11 +23861,7 @@
             <a:pPr lvl="1"/>
             <a:r>
               <a:rPr lang="en-US" dirty="0" smtClean="0"/>
-              <a:t>EDXL </a:t>
-            </a:r>
-            <a:r>
-              <a:rPr lang="en-US" dirty="0" smtClean="0"/>
-              <a:t>Example</a:t>
+              <a:t>EDXL Example</a:t>
             </a:r>
           </a:p>
           <a:p>
@@ -23848,7 +23941,7 @@
           <a:p>
             <a:fld id="{1F9A5793-53E3-4EFA-8FEB-3135A2F5C16E}" type="datetime1">
               <a:rPr lang="en-US" smtClean="0"/>
-              <a:t>1/25/2015</a:t>
+              <a:t>1/26/2015</a:t>
             </a:fld>
             <a:endParaRPr lang="en-US" dirty="0"/>
           </a:p>
@@ -24065,7 +24158,7 @@
           <a:p>
             <a:fld id="{1F9A5793-53E3-4EFA-8FEB-3135A2F5C16E}" type="datetime1">
               <a:rPr lang="en-US" smtClean="0"/>
-              <a:t>1/25/2015</a:t>
+              <a:t>1/26/2015</a:t>
             </a:fld>
             <a:endParaRPr lang="en-US" dirty="0"/>
           </a:p>
@@ -24194,7 +24287,7 @@
           <a:p>
             <a:fld id="{1F9A5793-53E3-4EFA-8FEB-3135A2F5C16E}" type="datetime1">
               <a:rPr lang="en-US" smtClean="0"/>
-              <a:t>1/25/2015</a:t>
+              <a:t>1/26/2015</a:t>
             </a:fld>
             <a:endParaRPr lang="en-US" dirty="0"/>
           </a:p>
@@ -24433,7 +24526,7 @@
           <a:p>
             <a:fld id="{1F9A5793-53E3-4EFA-8FEB-3135A2F5C16E}" type="datetime1">
               <a:rPr lang="en-US" smtClean="0"/>
-              <a:t>1/25/2015</a:t>
+              <a:t>1/26/2015</a:t>
             </a:fld>
             <a:endParaRPr lang="en-US" dirty="0"/>
           </a:p>
@@ -25450,7 +25543,7 @@
           <a:p>
             <a:fld id="{1F9A5793-53E3-4EFA-8FEB-3135A2F5C16E}" type="datetime1">
               <a:rPr lang="en-US" smtClean="0"/>
-              <a:t>1/25/2015</a:t>
+              <a:t>1/26/2015</a:t>
             </a:fld>
             <a:endParaRPr lang="en-US" dirty="0"/>
           </a:p>
@@ -26091,6 +26184,13 @@
   <p:clrMapOvr>
     <a:masterClrMapping/>
   </p:clrMapOvr>
+  <p:timing>
+    <p:tnLst>
+      <p:par>
+        <p:cTn id="1" dur="indefinite" restart="never" nodeType="tmRoot"/>
+      </p:par>
+    </p:tnLst>
+  </p:timing>
 </p:sld>
 </file>
 
@@ -26683,7 +26783,7 @@
           <a:p>
             <a:fld id="{1F9A5793-53E3-4EFA-8FEB-3135A2F5C16E}" type="datetime1">
               <a:rPr lang="en-US" smtClean="0"/>
-              <a:t>1/25/2015</a:t>
+              <a:t>1/26/2015</a:t>
             </a:fld>
             <a:endParaRPr lang="en-US" dirty="0"/>
           </a:p>
@@ -27172,7 +27272,6 @@
               <a:rPr lang="en-US" sz="1400" dirty="0" smtClean="0"/>
               <a:t>Dec.</a:t>
             </a:r>
-            <a:endParaRPr lang="en-US" sz="1400" dirty="0" smtClean="0"/>
           </a:p>
           <a:p>
             <a:pPr algn="ctr"/>
@@ -27526,15 +27625,7 @@
                   <a:schemeClr val="bg1"/>
                 </a:solidFill>
               </a:rPr>
-              <a:t> </a:t>
-            </a:r>
-            <a:r>
-              <a:rPr lang="en-US" sz="1400" dirty="0" smtClean="0">
-                <a:solidFill>
-                  <a:schemeClr val="bg1"/>
-                </a:solidFill>
-              </a:rPr>
-              <a:t>2015</a:t>
+              <a:t> 2015</a:t>
             </a:r>
             <a:endParaRPr lang="en-US" sz="1400" dirty="0">
               <a:solidFill>
@@ -27616,15 +27707,7 @@
                   <a:schemeClr val="bg1"/>
                 </a:solidFill>
               </a:rPr>
-              <a:t> </a:t>
-            </a:r>
-            <a:r>
-              <a:rPr lang="en-US" sz="1400" dirty="0" smtClean="0">
-                <a:solidFill>
-                  <a:schemeClr val="bg1"/>
-                </a:solidFill>
-              </a:rPr>
-              <a:t>2015</a:t>
+              <a:t> 2015</a:t>
             </a:r>
             <a:endParaRPr lang="en-US" sz="1400" dirty="0">
               <a:solidFill>
@@ -27756,15 +27839,7 @@
                   <a:schemeClr val="bg1"/>
                 </a:solidFill>
               </a:rPr>
-              <a:t>March, </a:t>
-            </a:r>
-            <a:r>
-              <a:rPr lang="en-US" sz="1400" dirty="0" smtClean="0">
-                <a:solidFill>
-                  <a:schemeClr val="bg1"/>
-                </a:solidFill>
-              </a:rPr>
-              <a:t>2016</a:t>
+              <a:t>March, 2016</a:t>
             </a:r>
             <a:endParaRPr lang="en-US" sz="1400" dirty="0">
               <a:solidFill>
@@ -27956,6 +28031,13 @@
   <p:clrMapOvr>
     <a:masterClrMapping/>
   </p:clrMapOvr>
+  <p:timing>
+    <p:tnLst>
+      <p:par>
+        <p:cTn id="1" dur="indefinite" restart="never" nodeType="tmRoot"/>
+      </p:par>
+    </p:tnLst>
+  </p:timing>
 </p:sld>
 </file>
 
@@ -28078,6 +28160,13 @@
   <p:clrMapOvr>
     <a:masterClrMapping/>
   </p:clrMapOvr>
+  <p:timing>
+    <p:tnLst>
+      <p:par>
+        <p:cTn id="1" dur="indefinite" restart="never" nodeType="tmRoot"/>
+      </p:par>
+    </p:tnLst>
+  </p:timing>
 </p:sld>
 </file>
 
@@ -28167,6 +28256,13 @@
   <p:clrMapOvr>
     <a:masterClrMapping/>
   </p:clrMapOvr>
+  <p:timing>
+    <p:tnLst>
+      <p:par>
+        <p:cTn id="1" dur="indefinite" restart="never" nodeType="tmRoot"/>
+      </p:par>
+    </p:tnLst>
+  </p:timing>
 </p:sld>
 </file>
 
@@ -28376,6 +28472,13 @@
   <p:clrMapOvr>
     <a:masterClrMapping/>
   </p:clrMapOvr>
+  <p:timing>
+    <p:tnLst>
+      <p:par>
+        <p:cTn id="1" dur="indefinite" restart="never" nodeType="tmRoot"/>
+      </p:par>
+    </p:tnLst>
+  </p:timing>
 </p:sld>
 </file>
 
@@ -28502,6 +28605,13 @@
   <p:clrMapOvr>
     <a:masterClrMapping/>
   </p:clrMapOvr>
+  <p:timing>
+    <p:tnLst>
+      <p:par>
+        <p:cTn id="1" dur="indefinite" restart="never" nodeType="tmRoot"/>
+      </p:par>
+    </p:tnLst>
+  </p:timing>
 </p:sld>
 </file>
 
@@ -28591,6 +28701,13 @@
   <p:clrMapOvr>
     <a:masterClrMapping/>
   </p:clrMapOvr>
+  <p:timing>
+    <p:tnLst>
+      <p:par>
+        <p:cTn id="1" dur="indefinite" restart="never" nodeType="tmRoot"/>
+      </p:par>
+    </p:tnLst>
+  </p:timing>
 </p:sld>
 </file>
 
@@ -28708,6 +28825,13 @@
   <p:clrMapOvr>
     <a:masterClrMapping/>
   </p:clrMapOvr>
+  <p:timing>
+    <p:tnLst>
+      <p:par>
+        <p:cTn id="1" dur="indefinite" restart="never" nodeType="tmRoot"/>
+      </p:par>
+    </p:tnLst>
+  </p:timing>
 </p:sld>
 </file>
 
@@ -28818,6 +28942,13 @@
   <p:clrMapOvr>
     <a:masterClrMapping/>
   </p:clrMapOvr>
+  <p:timing>
+    <p:tnLst>
+      <p:par>
+        <p:cTn id="1" dur="indefinite" restart="never" nodeType="tmRoot"/>
+      </p:par>
+    </p:tnLst>
+  </p:timing>
 </p:sld>
 </file>
 
@@ -28984,6 +29115,13 @@
   <p:clrMapOvr>
     <a:masterClrMapping/>
   </p:clrMapOvr>
+  <p:timing>
+    <p:tnLst>
+      <p:par>
+        <p:cTn id="1" dur="indefinite" restart="never" nodeType="tmRoot"/>
+      </p:par>
+    </p:tnLst>
+  </p:timing>
 </p:sld>
 </file>
 
@@ -29040,7 +29178,7 @@
           <a:p>
             <a:fld id="{1F9A5793-53E3-4EFA-8FEB-3135A2F5C16E}" type="datetime1">
               <a:rPr lang="en-US" smtClean="0"/>
-              <a:t>1/25/2015</a:t>
+              <a:t>1/26/2015</a:t>
             </a:fld>
             <a:endParaRPr lang="en-US" dirty="0"/>
           </a:p>
@@ -29194,7 +29332,7 @@
           <a:p>
             <a:fld id="{1F9A5793-53E3-4EFA-8FEB-3135A2F5C16E}" type="datetime1">
               <a:rPr lang="en-US" smtClean="0"/>
-              <a:t>1/25/2015</a:t>
+              <a:t>1/26/2015</a:t>
             </a:fld>
             <a:endParaRPr lang="en-US" dirty="0"/>
           </a:p>
@@ -31987,7 +32125,7 @@
         </p:nvSpPr>
         <p:spPr>
           <a:xfrm>
-            <a:off x="7086600" y="3481356"/>
+            <a:off x="6553200" y="3581400"/>
             <a:ext cx="2057400" cy="785843"/>
           </a:xfrm>
           <a:prstGeom prst="wedgeRoundRectCallout">
@@ -32035,7 +32173,7 @@
         </p:nvSpPr>
         <p:spPr>
           <a:xfrm>
-            <a:off x="0" y="3481355"/>
+            <a:off x="228600" y="3481357"/>
             <a:ext cx="2057400" cy="785843"/>
           </a:xfrm>
           <a:prstGeom prst="wedgeRoundRectCallout">
@@ -32270,7 +32408,7 @@
           <a:p>
             <a:fld id="{1F9A5793-53E3-4EFA-8FEB-3135A2F5C16E}" type="datetime1">
               <a:rPr lang="en-US" smtClean="0"/>
-              <a:t>1/25/2015</a:t>
+              <a:t>1/26/2015</a:t>
             </a:fld>
             <a:endParaRPr lang="en-US" dirty="0"/>
           </a:p>
@@ -32455,7 +32593,7 @@
           <a:p>
             <a:fld id="{7FFC8E0D-FE22-42CA-9D02-05162CCF70A3}" type="datetime1">
               <a:rPr lang="en-US" smtClean="0"/>
-              <a:t>1/25/2015</a:t>
+              <a:t>1/26/2015</a:t>
             </a:fld>
             <a:endParaRPr lang="en-US"/>
           </a:p>
